--- a/04-Conditions.pptx
+++ b/04-Conditions.pptx
@@ -317,7 +317,7 @@
           <a:p>
             <a:fld id="{3EA744D9-3FBE-48D8-BF2A-85DF203E4D20}" type="datetimeFigureOut">
               <a:rPr lang="bg-BG" smtClean="0"/>
-              <a:t>16.6.2015 г.</a:t>
+              <a:t>8.3.2016 г.</a:t>
             </a:fld>
             <a:endParaRPr lang="bg-BG"/>
           </a:p>
@@ -487,7 +487,7 @@
           <a:p>
             <a:fld id="{3EA744D9-3FBE-48D8-BF2A-85DF203E4D20}" type="datetimeFigureOut">
               <a:rPr lang="bg-BG" smtClean="0"/>
-              <a:t>16.6.2015 г.</a:t>
+              <a:t>8.3.2016 г.</a:t>
             </a:fld>
             <a:endParaRPr lang="bg-BG"/>
           </a:p>
@@ -667,7 +667,7 @@
           <a:p>
             <a:fld id="{3EA744D9-3FBE-48D8-BF2A-85DF203E4D20}" type="datetimeFigureOut">
               <a:rPr lang="bg-BG" smtClean="0"/>
-              <a:t>16.6.2015 г.</a:t>
+              <a:t>8.3.2016 г.</a:t>
             </a:fld>
             <a:endParaRPr lang="bg-BG"/>
           </a:p>
@@ -837,7 +837,7 @@
           <a:p>
             <a:fld id="{3EA744D9-3FBE-48D8-BF2A-85DF203E4D20}" type="datetimeFigureOut">
               <a:rPr lang="bg-BG" smtClean="0"/>
-              <a:t>16.6.2015 г.</a:t>
+              <a:t>8.3.2016 г.</a:t>
             </a:fld>
             <a:endParaRPr lang="bg-BG"/>
           </a:p>
@@ -1083,7 +1083,7 @@
           <a:p>
             <a:fld id="{3EA744D9-3FBE-48D8-BF2A-85DF203E4D20}" type="datetimeFigureOut">
               <a:rPr lang="bg-BG" smtClean="0"/>
-              <a:t>16.6.2015 г.</a:t>
+              <a:t>8.3.2016 г.</a:t>
             </a:fld>
             <a:endParaRPr lang="bg-BG"/>
           </a:p>
@@ -1371,7 +1371,7 @@
           <a:p>
             <a:fld id="{3EA744D9-3FBE-48D8-BF2A-85DF203E4D20}" type="datetimeFigureOut">
               <a:rPr lang="bg-BG" smtClean="0"/>
-              <a:t>16.6.2015 г.</a:t>
+              <a:t>8.3.2016 г.</a:t>
             </a:fld>
             <a:endParaRPr lang="bg-BG"/>
           </a:p>
@@ -1793,7 +1793,7 @@
           <a:p>
             <a:fld id="{3EA744D9-3FBE-48D8-BF2A-85DF203E4D20}" type="datetimeFigureOut">
               <a:rPr lang="bg-BG" smtClean="0"/>
-              <a:t>16.6.2015 г.</a:t>
+              <a:t>8.3.2016 г.</a:t>
             </a:fld>
             <a:endParaRPr lang="bg-BG"/>
           </a:p>
@@ -1911,7 +1911,7 @@
           <a:p>
             <a:fld id="{3EA744D9-3FBE-48D8-BF2A-85DF203E4D20}" type="datetimeFigureOut">
               <a:rPr lang="bg-BG" smtClean="0"/>
-              <a:t>16.6.2015 г.</a:t>
+              <a:t>8.3.2016 г.</a:t>
             </a:fld>
             <a:endParaRPr lang="bg-BG"/>
           </a:p>
@@ -2006,7 +2006,7 @@
           <a:p>
             <a:fld id="{3EA744D9-3FBE-48D8-BF2A-85DF203E4D20}" type="datetimeFigureOut">
               <a:rPr lang="bg-BG" smtClean="0"/>
-              <a:t>16.6.2015 г.</a:t>
+              <a:t>8.3.2016 г.</a:t>
             </a:fld>
             <a:endParaRPr lang="bg-BG"/>
           </a:p>
@@ -2283,7 +2283,7 @@
           <a:p>
             <a:fld id="{3EA744D9-3FBE-48D8-BF2A-85DF203E4D20}" type="datetimeFigureOut">
               <a:rPr lang="bg-BG" smtClean="0"/>
-              <a:t>16.6.2015 г.</a:t>
+              <a:t>8.3.2016 г.</a:t>
             </a:fld>
             <a:endParaRPr lang="bg-BG"/>
           </a:p>
@@ -2536,7 +2536,7 @@
           <a:p>
             <a:fld id="{3EA744D9-3FBE-48D8-BF2A-85DF203E4D20}" type="datetimeFigureOut">
               <a:rPr lang="bg-BG" smtClean="0"/>
-              <a:t>16.6.2015 г.</a:t>
+              <a:t>8.3.2016 г.</a:t>
             </a:fld>
             <a:endParaRPr lang="bg-BG"/>
           </a:p>
@@ -2758,7 +2758,7 @@
           <a:p>
             <a:fld id="{3EA744D9-3FBE-48D8-BF2A-85DF203E4D20}" type="datetimeFigureOut">
               <a:rPr lang="bg-BG" smtClean="0"/>
-              <a:t>16.6.2015 г.</a:t>
+              <a:t>8.3.2016 г.</a:t>
             </a:fld>
             <a:endParaRPr lang="bg-BG"/>
           </a:p>
@@ -3259,7 +3259,7 @@
                   <a:schemeClr val="accent6"/>
                 </a:solidFill>
               </a:rPr>
-              <a:t>SWICH</a:t>
+              <a:t>SWITCH</a:t>
             </a:r>
             <a:endParaRPr lang="bg-BG" dirty="0">
               <a:solidFill>
@@ -3312,7 +3312,7 @@
                   </a:schemeClr>
                 </a:solidFill>
               </a:rPr>
-              <a:t>целочислен селектор</a:t>
+              <a:t>променлива</a:t>
             </a:r>
             <a:r>
               <a:rPr lang="en-US" dirty="0" smtClean="0">
@@ -3324,6 +3324,13 @@
               </a:rPr>
               <a:t>) </a:t>
             </a:r>
+            <a:endParaRPr lang="en-US" dirty="0" smtClean="0">
+              <a:solidFill>
+                <a:schemeClr val="bg1">
+                  <a:lumMod val="95000"/>
+                </a:schemeClr>
+              </a:solidFill>
+            </a:endParaRPr>
           </a:p>
           <a:p>
             <a:pPr marL="0" indent="0">
@@ -5440,6 +5447,36 @@
               <a:t> приема от </a:t>
             </a:r>
             <a:r>
+              <a:rPr lang="ru-RU" sz="2000" err="1">
+                <a:solidFill>
+                  <a:schemeClr val="bg1">
+                    <a:lumMod val="95000"/>
+                  </a:schemeClr>
+                </a:solidFill>
+              </a:rPr>
+              <a:t>конзолата</a:t>
+            </a:r>
+            <a:r>
+              <a:rPr lang="ru-RU" sz="2000">
+                <a:solidFill>
+                  <a:schemeClr val="bg1">
+                    <a:lumMod val="95000"/>
+                  </a:schemeClr>
+                </a:solidFill>
+              </a:rPr>
+              <a:t> </a:t>
+            </a:r>
+            <a:r>
+              <a:rPr lang="ru-RU" sz="2000" smtClean="0">
+                <a:solidFill>
+                  <a:schemeClr val="bg1">
+                    <a:lumMod val="95000"/>
+                  </a:schemeClr>
+                </a:solidFill>
+              </a:rPr>
+              <a:t>карта и </a:t>
+            </a:r>
+            <a:r>
               <a:rPr lang="ru-RU" sz="2000" dirty="0" err="1">
                 <a:solidFill>
                   <a:schemeClr val="bg1">
@@ -5447,7 +5484,7 @@
                   </a:schemeClr>
                 </a:solidFill>
               </a:rPr>
-              <a:t>конзолата</a:t>
+              <a:t>принтира</a:t>
             </a:r>
             <a:r>
               <a:rPr lang="ru-RU" sz="2000" dirty="0">
@@ -5457,9 +5494,59 @@
                   </a:schemeClr>
                 </a:solidFill>
               </a:rPr>
+              <a:t> "Валидна </a:t>
+            </a:r>
+            <a:r>
+              <a:rPr lang="ru-RU" sz="2000" dirty="0" smtClean="0">
+                <a:solidFill>
+                  <a:schemeClr val="bg1">
+                    <a:lumMod val="95000"/>
+                  </a:schemeClr>
+                </a:solidFill>
+              </a:rPr>
+              <a:t>карта", </a:t>
+            </a:r>
+            <a:r>
+              <a:rPr lang="ru-RU" sz="2000" err="1">
+                <a:solidFill>
+                  <a:schemeClr val="bg1">
+                    <a:lumMod val="95000"/>
+                  </a:schemeClr>
+                </a:solidFill>
+              </a:rPr>
+              <a:t>ако</a:t>
+            </a:r>
+            <a:r>
+              <a:rPr lang="ru-RU" sz="2000">
+                <a:solidFill>
+                  <a:schemeClr val="bg1">
+                    <a:lumMod val="95000"/>
+                  </a:schemeClr>
+                </a:solidFill>
+              </a:rPr>
               <a:t> </a:t>
             </a:r>
             <a:r>
+              <a:rPr lang="ru-RU" sz="2000" smtClean="0">
+                <a:solidFill>
+                  <a:schemeClr val="bg1">
+                    <a:lumMod val="95000"/>
+                  </a:schemeClr>
+                </a:solidFill>
+              </a:rPr>
+              <a:t>въведената карта представлява </a:t>
+            </a:r>
+            <a:r>
+              <a:rPr lang="ru-RU" sz="2000" dirty="0">
+                <a:solidFill>
+                  <a:schemeClr val="bg1">
+                    <a:lumMod val="95000"/>
+                  </a:schemeClr>
+                </a:solidFill>
+              </a:rPr>
+              <a:t>валидна </a:t>
+            </a:r>
+            <a:r>
               <a:rPr lang="ru-RU" sz="2000" dirty="0" smtClean="0">
                 <a:solidFill>
                   <a:schemeClr val="bg1">
@@ -5467,7 +5554,7 @@
                   </a:schemeClr>
                 </a:solidFill>
               </a:rPr>
-              <a:t>един </a:t>
+              <a:t>карта, </a:t>
             </a:r>
             <a:r>
               <a:rPr lang="ru-RU" sz="2000" dirty="0">
@@ -5477,7 +5564,7 @@
                   </a:schemeClr>
                 </a:solidFill>
               </a:rPr>
-              <a:t>символ и </a:t>
+              <a:t>и </a:t>
             </a:r>
             <a:r>
               <a:rPr lang="ru-RU" sz="2000" dirty="0" err="1">
@@ -5487,19 +5574,29 @@
                   </a:schemeClr>
                 </a:solidFill>
               </a:rPr>
+              <a:t>съответно</a:t>
+            </a:r>
+            <a:r>
+              <a:rPr lang="ru-RU" sz="2000" dirty="0">
+                <a:solidFill>
+                  <a:schemeClr val="bg1">
+                    <a:lumMod val="95000"/>
+                  </a:schemeClr>
+                </a:solidFill>
+              </a:rPr>
+              <a:t> </a:t>
+            </a:r>
+            <a:r>
+              <a:rPr lang="ru-RU" sz="2000" dirty="0" err="1" smtClean="0">
+                <a:solidFill>
+                  <a:schemeClr val="bg1">
+                    <a:lumMod val="95000"/>
+                  </a:schemeClr>
+                </a:solidFill>
+              </a:rPr>
               <a:t>принтира</a:t>
             </a:r>
             <a:r>
-              <a:rPr lang="ru-RU" sz="2000" dirty="0">
-                <a:solidFill>
-                  <a:schemeClr val="bg1">
-                    <a:lumMod val="95000"/>
-                  </a:schemeClr>
-                </a:solidFill>
-              </a:rPr>
-              <a:t> "Валидна </a:t>
-            </a:r>
-            <a:r>
               <a:rPr lang="ru-RU" sz="2000" dirty="0" smtClean="0">
                 <a:solidFill>
                   <a:schemeClr val="bg1">
@@ -5507,67 +5604,17 @@
                   </a:schemeClr>
                 </a:solidFill>
               </a:rPr>
-              <a:t>карта", </a:t>
-            </a:r>
-            <a:r>
-              <a:rPr lang="ru-RU" sz="2000" dirty="0" err="1">
-                <a:solidFill>
-                  <a:schemeClr val="bg1">
-                    <a:lumMod val="95000"/>
-                  </a:schemeClr>
-                </a:solidFill>
-              </a:rPr>
-              <a:t>ако</a:t>
-            </a:r>
-            <a:r>
-              <a:rPr lang="ru-RU" sz="2000" dirty="0">
-                <a:solidFill>
-                  <a:schemeClr val="bg1">
-                    <a:lumMod val="95000"/>
-                  </a:schemeClr>
-                </a:solidFill>
-              </a:rPr>
-              <a:t> </a:t>
-            </a:r>
-            <a:r>
-              <a:rPr lang="ru-RU" sz="2000" dirty="0" err="1">
-                <a:solidFill>
-                  <a:schemeClr val="bg1">
-                    <a:lumMod val="95000"/>
-                  </a:schemeClr>
-                </a:solidFill>
-              </a:rPr>
-              <a:t>символът</a:t>
-            </a:r>
-            <a:r>
-              <a:rPr lang="ru-RU" sz="2000" dirty="0">
-                <a:solidFill>
-                  <a:schemeClr val="bg1">
-                    <a:lumMod val="95000"/>
-                  </a:schemeClr>
-                </a:solidFill>
-              </a:rPr>
-              <a:t> </a:t>
-            </a:r>
-            <a:r>
-              <a:rPr lang="ru-RU" sz="2000" dirty="0" err="1">
-                <a:solidFill>
-                  <a:schemeClr val="bg1">
-                    <a:lumMod val="95000"/>
-                  </a:schemeClr>
-                </a:solidFill>
-              </a:rPr>
-              <a:t>представлява</a:t>
-            </a:r>
-            <a:r>
-              <a:rPr lang="ru-RU" sz="2000" dirty="0">
-                <a:solidFill>
-                  <a:schemeClr val="bg1">
-                    <a:lumMod val="95000"/>
-                  </a:schemeClr>
-                </a:solidFill>
-              </a:rPr>
-              <a:t> валидна </a:t>
+              <a:t> "</a:t>
+            </a:r>
+            <a:r>
+              <a:rPr lang="ru-RU" sz="2000" dirty="0" err="1" smtClean="0">
+                <a:solidFill>
+                  <a:schemeClr val="bg1">
+                    <a:lumMod val="95000"/>
+                  </a:schemeClr>
+                </a:solidFill>
+              </a:rPr>
+              <a:t>Невалидна</a:t>
             </a:r>
             <a:r>
               <a:rPr lang="ru-RU" sz="2000" dirty="0" smtClean="0">
@@ -5577,147 +5624,27 @@
                   </a:schemeClr>
                 </a:solidFill>
               </a:rPr>
-              <a:t>карта, </a:t>
-            </a:r>
-            <a:r>
-              <a:rPr lang="ru-RU" sz="2000" dirty="0">
-                <a:solidFill>
-                  <a:schemeClr val="bg1">
-                    <a:lumMod val="95000"/>
-                  </a:schemeClr>
-                </a:solidFill>
-              </a:rPr>
-              <a:t>и </a:t>
-            </a:r>
-            <a:r>
-              <a:rPr lang="ru-RU" sz="2000" dirty="0" err="1">
-                <a:solidFill>
-                  <a:schemeClr val="bg1">
-                    <a:lumMod val="95000"/>
-                  </a:schemeClr>
-                </a:solidFill>
-              </a:rPr>
-              <a:t>съответно</a:t>
-            </a:r>
-            <a:r>
-              <a:rPr lang="ru-RU" sz="2000" dirty="0">
-                <a:solidFill>
-                  <a:schemeClr val="bg1">
-                    <a:lumMod val="95000"/>
-                  </a:schemeClr>
-                </a:solidFill>
-              </a:rPr>
-              <a:t> </a:t>
-            </a:r>
-            <a:r>
-              <a:rPr lang="ru-RU" sz="2000" dirty="0" err="1" smtClean="0">
-                <a:solidFill>
-                  <a:schemeClr val="bg1">
-                    <a:lumMod val="95000"/>
-                  </a:schemeClr>
-                </a:solidFill>
-              </a:rPr>
-              <a:t>принтира</a:t>
-            </a:r>
-            <a:r>
-              <a:rPr lang="ru-RU" sz="2000" dirty="0" smtClean="0">
-                <a:solidFill>
-                  <a:schemeClr val="bg1">
-                    <a:lumMod val="95000"/>
-                  </a:schemeClr>
-                </a:solidFill>
-              </a:rPr>
-              <a:t> "</a:t>
-            </a:r>
-            <a:r>
-              <a:rPr lang="ru-RU" sz="2000" dirty="0" err="1" smtClean="0">
-                <a:solidFill>
-                  <a:schemeClr val="bg1">
-                    <a:lumMod val="95000"/>
-                  </a:schemeClr>
-                </a:solidFill>
-              </a:rPr>
-              <a:t>Невалидна</a:t>
-            </a:r>
-            <a:r>
-              <a:rPr lang="ru-RU" sz="2000" dirty="0" smtClean="0">
-                <a:solidFill>
-                  <a:schemeClr val="bg1">
-                    <a:lumMod val="95000"/>
-                  </a:schemeClr>
-                </a:solidFill>
-              </a:rPr>
-              <a:t> карта", </a:t>
-            </a:r>
-            <a:r>
-              <a:rPr lang="ru-RU" sz="2000" dirty="0" err="1">
-                <a:solidFill>
-                  <a:schemeClr val="bg1">
-                    <a:lumMod val="95000"/>
-                  </a:schemeClr>
-                </a:solidFill>
-              </a:rPr>
-              <a:t>ако</a:t>
-            </a:r>
-            <a:r>
-              <a:rPr lang="ru-RU" sz="2000" dirty="0">
-                <a:solidFill>
-                  <a:schemeClr val="bg1">
-                    <a:lumMod val="95000"/>
-                  </a:schemeClr>
-                </a:solidFill>
-              </a:rPr>
-              <a:t> </a:t>
-            </a:r>
-            <a:r>
-              <a:rPr lang="ru-RU" sz="2000" dirty="0" err="1">
-                <a:solidFill>
-                  <a:schemeClr val="bg1">
-                    <a:lumMod val="95000"/>
-                  </a:schemeClr>
-                </a:solidFill>
-              </a:rPr>
-              <a:t>символът</a:t>
-            </a:r>
-            <a:r>
-              <a:rPr lang="ru-RU" sz="2000" dirty="0">
-                <a:solidFill>
-                  <a:schemeClr val="bg1">
-                    <a:lumMod val="95000"/>
-                  </a:schemeClr>
-                </a:solidFill>
-              </a:rPr>
-              <a:t> </a:t>
-            </a:r>
-            <a:r>
-              <a:rPr lang="ru-RU" sz="2000" dirty="0" smtClean="0">
-                <a:solidFill>
-                  <a:schemeClr val="bg1">
-                    <a:lumMod val="95000"/>
-                  </a:schemeClr>
-                </a:solidFill>
-              </a:rPr>
-              <a:t>е на </a:t>
-            </a:r>
-            <a:r>
-              <a:rPr lang="ru-RU" sz="2000" dirty="0" err="1" smtClean="0">
-                <a:solidFill>
-                  <a:schemeClr val="bg1">
-                    <a:lumMod val="95000"/>
-                  </a:schemeClr>
-                </a:solidFill>
-              </a:rPr>
-              <a:t>невалидна</a:t>
-            </a:r>
-            <a:r>
-              <a:rPr lang="ru-RU" sz="2000" dirty="0" smtClean="0">
-                <a:solidFill>
-                  <a:schemeClr val="bg1">
-                    <a:lumMod val="95000"/>
-                  </a:schemeClr>
-                </a:solidFill>
-              </a:rPr>
-              <a:t> </a:t>
+              <a:t> карта</a:t>
+            </a:r>
+            <a:r>
+              <a:rPr lang="ru-RU" sz="2000" smtClean="0">
+                <a:solidFill>
+                  <a:schemeClr val="bg1">
+                    <a:lumMod val="95000"/>
+                  </a:schemeClr>
+                </a:solidFill>
+              </a:rPr>
+              <a:t>", </a:t>
+            </a:r>
+            <a:r>
+              <a:rPr lang="ru-RU" sz="2000" smtClean="0">
+                <a:solidFill>
+                  <a:schemeClr val="bg1">
+                    <a:lumMod val="95000"/>
+                  </a:schemeClr>
+                </a:solidFill>
+              </a:rPr>
+              <a:t>ако е невалидна </a:t>
             </a:r>
             <a:r>
               <a:rPr lang="ru-RU" sz="2000" dirty="0">
@@ -8055,7 +7982,7 @@
                   <a:schemeClr val="accent6"/>
                 </a:solidFill>
               </a:rPr>
-              <a:t>SWICH</a:t>
+              <a:t>SWITCH</a:t>
             </a:r>
             <a:endParaRPr lang="bg-BG" dirty="0">
               <a:solidFill>
